--- a/Monte Carlo Simulation training - no logo.pptx
+++ b/Monte Carlo Simulation training - no logo.pptx
@@ -5,19 +5,21 @@
     <p:sldMasterId id="2147483648" r:id="rId1"/>
   </p:sldMasterIdLst>
   <p:notesMasterIdLst>
-    <p:notesMasterId r:id="rId12"/>
+    <p:notesMasterId r:id="rId14"/>
   </p:notesMasterIdLst>
   <p:sldIdLst>
     <p:sldId id="256" r:id="rId2"/>
     <p:sldId id="266" r:id="rId3"/>
-    <p:sldId id="257" r:id="rId4"/>
-    <p:sldId id="258" r:id="rId5"/>
-    <p:sldId id="259" r:id="rId6"/>
-    <p:sldId id="260" r:id="rId7"/>
-    <p:sldId id="261" r:id="rId8"/>
-    <p:sldId id="262" r:id="rId9"/>
-    <p:sldId id="263" r:id="rId10"/>
-    <p:sldId id="264" r:id="rId11"/>
+    <p:sldId id="267" r:id="rId4"/>
+    <p:sldId id="268" r:id="rId5"/>
+    <p:sldId id="257" r:id="rId6"/>
+    <p:sldId id="258" r:id="rId7"/>
+    <p:sldId id="259" r:id="rId8"/>
+    <p:sldId id="260" r:id="rId9"/>
+    <p:sldId id="261" r:id="rId10"/>
+    <p:sldId id="262" r:id="rId11"/>
+    <p:sldId id="263" r:id="rId12"/>
+    <p:sldId id="264" r:id="rId13"/>
   </p:sldIdLst>
   <p:sldSz cx="12192000" cy="6858000"/>
   <p:notesSz cx="6858000" cy="9144000"/>
@@ -661,7 +663,7 @@
           <a:p>
             <a:fld id="{79B6397B-6449-451F-879A-ACC313C801FA}" type="slidenum">
               <a:rPr lang="en-US" smtClean="0"/>
-              <a:t>3</a:t>
+              <a:t>5</a:t>
             </a:fld>
             <a:endParaRPr lang="en-US"/>
           </a:p>
@@ -788,7 +790,7 @@
           <a:p>
             <a:fld id="{79B6397B-6449-451F-879A-ACC313C801FA}" type="slidenum">
               <a:rPr lang="en-US" smtClean="0"/>
-              <a:t>4</a:t>
+              <a:t>6</a:t>
             </a:fld>
             <a:endParaRPr lang="en-US"/>
           </a:p>
@@ -920,7 +922,7 @@
           <a:p>
             <a:fld id="{79B6397B-6449-451F-879A-ACC313C801FA}" type="slidenum">
               <a:rPr lang="en-US" smtClean="0"/>
-              <a:t>5</a:t>
+              <a:t>7</a:t>
             </a:fld>
             <a:endParaRPr lang="en-US"/>
           </a:p>
@@ -1107,7 +1109,7 @@
           <a:p>
             <a:fld id="{79B6397B-6449-451F-879A-ACC313C801FA}" type="slidenum">
               <a:rPr lang="en-US" smtClean="0"/>
-              <a:t>6</a:t>
+              <a:t>8</a:t>
             </a:fld>
             <a:endParaRPr lang="en-US"/>
           </a:p>
@@ -1239,7 +1241,7 @@
           <a:p>
             <a:fld id="{79B6397B-6449-451F-879A-ACC313C801FA}" type="slidenum">
               <a:rPr lang="en-US" smtClean="0"/>
-              <a:t>7</a:t>
+              <a:t>9</a:t>
             </a:fld>
             <a:endParaRPr lang="en-US"/>
           </a:p>
@@ -1457,7 +1459,7 @@
           <a:p>
             <a:fld id="{79B6397B-6449-451F-879A-ACC313C801FA}" type="slidenum">
               <a:rPr lang="en-US" smtClean="0"/>
-              <a:t>8</a:t>
+              <a:t>10</a:t>
             </a:fld>
             <a:endParaRPr lang="en-US"/>
           </a:p>
@@ -1581,7 +1583,7 @@
           <a:p>
             <a:fld id="{79B6397B-6449-451F-879A-ACC313C801FA}" type="slidenum">
               <a:rPr lang="en-US" smtClean="0"/>
-              <a:t>9</a:t>
+              <a:t>11</a:t>
             </a:fld>
             <a:endParaRPr lang="en-US"/>
           </a:p>
@@ -1705,7 +1707,7 @@
           <a:p>
             <a:fld id="{79B6397B-6449-451F-879A-ACC313C801FA}" type="slidenum">
               <a:rPr lang="en-US" smtClean="0"/>
-              <a:t>10</a:t>
+              <a:t>12</a:t>
             </a:fld>
             <a:endParaRPr lang="en-US"/>
           </a:p>
@@ -4599,7 +4601,7 @@
         </p:spPr>
         <p:txBody>
           <a:bodyPr>
-            <a:normAutofit/>
+            <a:normAutofit fontScale="90000"/>
           </a:bodyPr>
           <a:lstStyle/>
           <a:p>
@@ -4616,7 +4618,19 @@
             </a:br>
             <a:r>
               <a:rPr lang="en-US" sz="5400" dirty="0" smtClean="0"/>
-              <a:t>Introduction to Monte Carlo Simulation</a:t>
+              <a:t>Introduction to Monte Carlo </a:t>
+            </a:r>
+            <a:r>
+              <a:rPr lang="en-US" sz="5400" dirty="0" smtClean="0"/>
+              <a:t>Simulation </a:t>
+            </a:r>
+            <a:r>
+              <a:rPr lang="en-US" sz="5400" dirty="0"/>
+              <a:t>U</a:t>
+            </a:r>
+            <a:r>
+              <a:rPr lang="en-US" sz="5400" dirty="0" smtClean="0"/>
+              <a:t>sing Shiny</a:t>
             </a:r>
             <a:endParaRPr lang="en-US" sz="5400" dirty="0"/>
           </a:p>
@@ -4662,11 +4676,7 @@
             </a:r>
             <a:r>
               <a:rPr lang="en-US" sz="2000" dirty="0" smtClean="0"/>
-              <a:t>github.com/ralphasher</a:t>
-            </a:r>
-            <a:r>
-              <a:rPr lang="en-US" sz="2000" dirty="0" smtClean="0"/>
-              <a:t>/montecarlo_simulation</a:t>
+              <a:t>github.com/ralphasher/montecarlo_simulation</a:t>
             </a:r>
             <a:endParaRPr lang="en-US" sz="2000" dirty="0"/>
           </a:p>
@@ -4682,7 +4692,15 @@
           <a:p>
             <a:r>
               <a:rPr lang="en-US" sz="2000" dirty="0" smtClean="0"/>
-              <a:t>May 21 2020</a:t>
+              <a:t>May </a:t>
+            </a:r>
+            <a:r>
+              <a:rPr lang="en-US" sz="2000" dirty="0" smtClean="0"/>
+              <a:t>21, </a:t>
+            </a:r>
+            <a:r>
+              <a:rPr lang="en-US" sz="2000" dirty="0" smtClean="0"/>
+              <a:t>2020</a:t>
             </a:r>
           </a:p>
         </p:txBody>
@@ -4734,6 +4752,232 @@
           <a:p>
             <a:r>
               <a:rPr lang="en-US" dirty="0" smtClean="0"/>
+              <a:t>Rinse and Repeat 20,000 Times…</a:t>
+            </a:r>
+            <a:endParaRPr lang="en-US" dirty="0"/>
+          </a:p>
+        </p:txBody>
+      </p:sp>
+      <p:sp>
+        <p:nvSpPr>
+          <p:cNvPr id="3" name="Content Placeholder 2"/>
+          <p:cNvSpPr>
+            <a:spLocks noGrp="1"/>
+          </p:cNvSpPr>
+          <p:nvPr>
+            <p:ph idx="1"/>
+          </p:nvPr>
+        </p:nvSpPr>
+        <p:spPr/>
+        <p:txBody>
+          <a:bodyPr/>
+          <a:lstStyle/>
+          <a:p>
+            <a:pPr marL="0" indent="0">
+              <a:buNone/>
+            </a:pPr>
+            <a:r>
+              <a:rPr lang="en-US" sz="4400" dirty="0" smtClean="0"/>
+              <a:t>We missed our reservation about half the time, by planning based upon the average</a:t>
+            </a:r>
+            <a:endParaRPr lang="en-US" sz="4400" dirty="0"/>
+          </a:p>
+        </p:txBody>
+      </p:sp>
+      <p:pic>
+        <p:nvPicPr>
+          <p:cNvPr id="5" name="Picture 4"/>
+          <p:cNvPicPr>
+            <a:picLocks noChangeAspect="1"/>
+          </p:cNvPicPr>
+          <p:nvPr/>
+        </p:nvPicPr>
+        <p:blipFill>
+          <a:blip r:embed="rId3"/>
+          <a:stretch>
+            <a:fillRect/>
+          </a:stretch>
+        </p:blipFill>
+        <p:spPr>
+          <a:xfrm>
+            <a:off x="478824" y="3272289"/>
+            <a:ext cx="11165997" cy="2652502"/>
+          </a:xfrm>
+          <a:prstGeom prst="rect">
+            <a:avLst/>
+          </a:prstGeom>
+        </p:spPr>
+      </p:pic>
+    </p:spTree>
+    <p:extLst>
+      <p:ext uri="{BB962C8B-B14F-4D97-AF65-F5344CB8AC3E}">
+        <p14:creationId xmlns:p14="http://schemas.microsoft.com/office/powerpoint/2010/main" val="3407533705"/>
+      </p:ext>
+    </p:extLst>
+  </p:cSld>
+  <p:clrMapOvr>
+    <a:masterClrMapping/>
+  </p:clrMapOvr>
+</p:sld>
+</file>
+
+<file path=ppt/slides/slide11.xml><?xml version="1.0" encoding="utf-8"?>
+<p:sld xmlns:a="http://schemas.openxmlformats.org/drawingml/2006/main" xmlns:r="http://schemas.openxmlformats.org/officeDocument/2006/relationships" xmlns:p="http://schemas.openxmlformats.org/presentationml/2006/main">
+  <p:cSld>
+    <p:spTree>
+      <p:nvGrpSpPr>
+        <p:cNvPr id="1" name=""/>
+        <p:cNvGrpSpPr/>
+        <p:nvPr/>
+      </p:nvGrpSpPr>
+      <p:grpSpPr>
+        <a:xfrm>
+          <a:off x="0" y="0"/>
+          <a:ext cx="0" cy="0"/>
+          <a:chOff x="0" y="0"/>
+          <a:chExt cx="0" cy="0"/>
+        </a:xfrm>
+      </p:grpSpPr>
+      <p:sp>
+        <p:nvSpPr>
+          <p:cNvPr id="4" name="Title 3"/>
+          <p:cNvSpPr>
+            <a:spLocks noGrp="1"/>
+          </p:cNvSpPr>
+          <p:nvPr>
+            <p:ph type="title"/>
+          </p:nvPr>
+        </p:nvSpPr>
+        <p:spPr/>
+        <p:txBody>
+          <a:bodyPr/>
+          <a:lstStyle/>
+          <a:p>
+            <a:r>
+              <a:rPr lang="en-US" dirty="0" smtClean="0"/>
+              <a:t>Rinse and Repeat 20,000 Times…</a:t>
+            </a:r>
+            <a:endParaRPr lang="en-US" dirty="0"/>
+          </a:p>
+        </p:txBody>
+      </p:sp>
+      <p:sp>
+        <p:nvSpPr>
+          <p:cNvPr id="3" name="Content Placeholder 2"/>
+          <p:cNvSpPr>
+            <a:spLocks noGrp="1"/>
+          </p:cNvSpPr>
+          <p:nvPr>
+            <p:ph idx="1"/>
+          </p:nvPr>
+        </p:nvSpPr>
+        <p:spPr/>
+        <p:txBody>
+          <a:bodyPr>
+            <a:normAutofit/>
+          </a:bodyPr>
+          <a:lstStyle/>
+          <a:p>
+            <a:pPr marL="0" indent="0">
+              <a:buNone/>
+            </a:pPr>
+            <a:r>
+              <a:rPr lang="en-US" dirty="0" smtClean="0"/>
+              <a:t>Work from Shiny app… how does the probability of making it on time change?</a:t>
+            </a:r>
+          </a:p>
+          <a:p>
+            <a:pPr marL="0" indent="0">
+              <a:buNone/>
+            </a:pPr>
+            <a:endParaRPr lang="en-US" dirty="0"/>
+          </a:p>
+          <a:p>
+            <a:r>
+              <a:rPr lang="en-US" dirty="0" smtClean="0"/>
+              <a:t>Leave the office earlier (5:15pm)</a:t>
+            </a:r>
+          </a:p>
+          <a:p>
+            <a:r>
+              <a:rPr lang="en-US" dirty="0" smtClean="0"/>
+              <a:t>More predictable commute (</a:t>
+            </a:r>
+            <a:r>
+              <a:rPr lang="en-US" dirty="0" err="1" smtClean="0"/>
+              <a:t>sd</a:t>
+            </a:r>
+            <a:r>
+              <a:rPr lang="en-US" dirty="0" smtClean="0"/>
+              <a:t>=3 instead of 10)</a:t>
+            </a:r>
+          </a:p>
+          <a:p>
+            <a:pPr lvl="1"/>
+            <a:r>
+              <a:rPr lang="en-US" sz="2800" dirty="0" smtClean="0"/>
+              <a:t>Average commute time stays at 30 minutes but range gets smaller, making it more predictable and closer to the “expected” result</a:t>
+            </a:r>
+          </a:p>
+          <a:p>
+            <a:pPr lvl="1"/>
+            <a:endParaRPr lang="en-US" sz="2800" dirty="0"/>
+          </a:p>
+          <a:p>
+            <a:pPr marL="457200" lvl="1" indent="0">
+              <a:buNone/>
+            </a:pPr>
+            <a:endParaRPr lang="en-US" sz="2800" dirty="0" smtClean="0"/>
+          </a:p>
+        </p:txBody>
+      </p:sp>
+    </p:spTree>
+    <p:extLst>
+      <p:ext uri="{BB962C8B-B14F-4D97-AF65-F5344CB8AC3E}">
+        <p14:creationId xmlns:p14="http://schemas.microsoft.com/office/powerpoint/2010/main" val="3513583320"/>
+      </p:ext>
+    </p:extLst>
+  </p:cSld>
+  <p:clrMapOvr>
+    <a:masterClrMapping/>
+  </p:clrMapOvr>
+</p:sld>
+</file>
+
+<file path=ppt/slides/slide12.xml><?xml version="1.0" encoding="utf-8"?>
+<p:sld xmlns:a="http://schemas.openxmlformats.org/drawingml/2006/main" xmlns:r="http://schemas.openxmlformats.org/officeDocument/2006/relationships" xmlns:p="http://schemas.openxmlformats.org/presentationml/2006/main">
+  <p:cSld>
+    <p:spTree>
+      <p:nvGrpSpPr>
+        <p:cNvPr id="1" name=""/>
+        <p:cNvGrpSpPr/>
+        <p:nvPr/>
+      </p:nvGrpSpPr>
+      <p:grpSpPr>
+        <a:xfrm>
+          <a:off x="0" y="0"/>
+          <a:ext cx="0" cy="0"/>
+          <a:chOff x="0" y="0"/>
+          <a:chExt cx="0" cy="0"/>
+        </a:xfrm>
+      </p:grpSpPr>
+      <p:sp>
+        <p:nvSpPr>
+          <p:cNvPr id="4" name="Title 3"/>
+          <p:cNvSpPr>
+            <a:spLocks noGrp="1"/>
+          </p:cNvSpPr>
+          <p:nvPr>
+            <p:ph type="title"/>
+          </p:nvPr>
+        </p:nvSpPr>
+        <p:spPr/>
+        <p:txBody>
+          <a:bodyPr/>
+          <a:lstStyle/>
+          <a:p>
+            <a:r>
+              <a:rPr lang="en-US" dirty="0" smtClean="0"/>
               <a:t>Takeaways</a:t>
             </a:r>
             <a:endParaRPr lang="en-US" dirty="0"/>
@@ -4752,28 +4996,40 @@
         </p:nvSpPr>
         <p:spPr/>
         <p:txBody>
-          <a:bodyPr/>
-          <a:lstStyle/>
-          <a:p>
-            <a:r>
-              <a:rPr lang="en-US" sz="1800" dirty="0" smtClean="0"/>
+          <a:bodyPr>
+            <a:normAutofit/>
+          </a:bodyPr>
+          <a:lstStyle/>
+          <a:p>
+            <a:r>
+              <a:rPr lang="en-US" dirty="0" smtClean="0"/>
               <a:t>Monte Carlo simulation – incredibly helpful tool for evaluating potential outcomes of uncertain inputs</a:t>
             </a:r>
           </a:p>
           <a:p>
             <a:r>
-              <a:rPr lang="en-US" sz="1800" dirty="0" smtClean="0"/>
+              <a:rPr lang="en-US" dirty="0" smtClean="0"/>
               <a:t>Any platform: Excel / R / Python</a:t>
             </a:r>
           </a:p>
           <a:p>
             <a:r>
-              <a:rPr lang="en-US" sz="1800" dirty="0" smtClean="0"/>
-              <a:t>Spurs important discussions on a range of outcomes and the impact on decisions</a:t>
-            </a:r>
-          </a:p>
-          <a:p>
-            <a:endParaRPr lang="en-US" sz="1800" dirty="0"/>
+              <a:rPr lang="en-US" dirty="0" smtClean="0"/>
+              <a:t>Spurs important discussions on a range of outcomes and the impact on </a:t>
+            </a:r>
+            <a:r>
+              <a:rPr lang="en-US" dirty="0" smtClean="0"/>
+              <a:t>decisions</a:t>
+            </a:r>
+          </a:p>
+          <a:p>
+            <a:pPr marL="0" indent="0">
+              <a:buNone/>
+            </a:pPr>
+            <a:endParaRPr lang="en-US" dirty="0" smtClean="0"/>
+          </a:p>
+          <a:p>
+            <a:endParaRPr lang="en-US" dirty="0"/>
           </a:p>
         </p:txBody>
       </p:sp>
@@ -4843,7 +5099,7 @@
         <p:spPr>
           <a:xfrm>
             <a:off x="340487" y="1516284"/>
-            <a:ext cx="11396242" cy="5127583"/>
+            <a:ext cx="8395214" cy="5127583"/>
           </a:xfrm>
         </p:spPr>
         <p:txBody>
@@ -4854,17 +5110,63 @@
           <a:p>
             <a:r>
               <a:rPr lang="en-US" dirty="0" smtClean="0"/>
-              <a:t>BS Physics, Valparaiso University (Indiana)</a:t>
-            </a:r>
-          </a:p>
-          <a:p>
+              <a:t>BS Physics, Valparaiso University (Indiana</a:t>
+            </a:r>
             <a:r>
               <a:rPr lang="en-US" dirty="0" smtClean="0"/>
-              <a:t>MS Operations Research, Florida Institute of Technology</a:t>
-            </a:r>
-          </a:p>
-          <a:p>
+              <a:t>) 2006</a:t>
+            </a:r>
             <a:endParaRPr lang="en-US" dirty="0" smtClean="0"/>
+          </a:p>
+          <a:p>
+            <a:r>
+              <a:rPr lang="en-US" dirty="0" smtClean="0"/>
+              <a:t>MS Operations Research, Florida </a:t>
+            </a:r>
+            <a:r>
+              <a:rPr lang="en-US" dirty="0" smtClean="0"/>
+              <a:t>Inst. Tech. 2012</a:t>
+            </a:r>
+          </a:p>
+          <a:p>
+            <a:r>
+              <a:rPr lang="en-US" dirty="0" smtClean="0"/>
+              <a:t>US Marine Corps, 2006-2012</a:t>
+            </a:r>
+          </a:p>
+          <a:p>
+            <a:r>
+              <a:rPr lang="en-US" dirty="0" smtClean="0"/>
+              <a:t>General Mills: Supply Chain Analytics Consultant, 2013-2015</a:t>
+            </a:r>
+          </a:p>
+          <a:p>
+            <a:r>
+              <a:rPr lang="en-US" dirty="0" smtClean="0"/>
+              <a:t>Target: Operations Research Analyst, 2015-Present</a:t>
+            </a:r>
+          </a:p>
+          <a:p>
+            <a:pPr lvl="1"/>
+            <a:r>
+              <a:rPr lang="en-US" dirty="0" smtClean="0"/>
+              <a:t>BI</a:t>
+            </a:r>
+            <a:r>
+              <a:rPr lang="en-US" dirty="0" smtClean="0"/>
+              <a:t>, statistical modeling, optimization, simulation, heuristic algorithm development… and SQL… and Excel Pivot </a:t>
+            </a:r>
+            <a:r>
+              <a:rPr lang="en-US" dirty="0" smtClean="0"/>
+              <a:t>Tables</a:t>
+            </a:r>
+          </a:p>
+          <a:p>
+            <a:pPr lvl="1"/>
+            <a:r>
+              <a:rPr lang="en-US" dirty="0" smtClean="0"/>
+              <a:t>E-Commerce Network Design, modeling the future of Target E-commerce Supply Chain</a:t>
+            </a:r>
           </a:p>
           <a:p>
             <a:r>
@@ -4879,30 +5181,17 @@
             </a:r>
           </a:p>
           <a:p>
+            <a:pPr marL="457200" lvl="1" indent="0">
+              <a:buNone/>
+            </a:pPr>
             <a:endParaRPr lang="en-US" dirty="0" smtClean="0"/>
           </a:p>
           <a:p>
-            <a:r>
-              <a:rPr lang="en-US" dirty="0" smtClean="0"/>
-              <a:t>Supply Chain Data Science 2013 – present, General Mills and Target</a:t>
-            </a:r>
-          </a:p>
-          <a:p>
             <a:pPr lvl="1"/>
-            <a:r>
-              <a:rPr lang="en-US" dirty="0" smtClean="0"/>
-              <a:t>BI, statistical modeling, optimization, simulation, heuristic algorithm development… and SQL… and Excel Pivot Tables</a:t>
-            </a:r>
+            <a:endParaRPr lang="en-US" dirty="0" smtClean="0"/>
           </a:p>
           <a:p>
             <a:pPr lvl="1"/>
-            <a:endParaRPr lang="en-US" dirty="0"/>
-          </a:p>
-          <a:p>
-            <a:r>
-              <a:rPr lang="en-US" dirty="0" smtClean="0"/>
-              <a:t>Purpose of this talk: introduction to “the flaw of averages”, Monte Carlo simulation, and using Shiny for interactive Monte Carlo Simulation</a:t>
-            </a:r>
             <a:endParaRPr lang="en-US" dirty="0"/>
           </a:p>
         </p:txBody>
@@ -4930,7 +5219,7 @@
         </p:blipFill>
         <p:spPr bwMode="auto">
           <a:xfrm>
-            <a:off x="9328417" y="3214141"/>
+            <a:off x="8857125" y="3203040"/>
             <a:ext cx="821240" cy="865934"/>
           </a:xfrm>
           <a:prstGeom prst="rect">
@@ -4971,8 +5260,8 @@
         </p:blipFill>
         <p:spPr bwMode="auto">
           <a:xfrm>
-            <a:off x="10492208" y="3214141"/>
-            <a:ext cx="901970" cy="901970"/>
+            <a:off x="10927061" y="3167914"/>
+            <a:ext cx="1034009" cy="1034009"/>
           </a:xfrm>
           <a:prstGeom prst="rect">
             <a:avLst/>
@@ -5018,6 +5307,30 @@
           </a:prstGeom>
         </p:spPr>
       </p:pic>
+      <p:pic>
+        <p:nvPicPr>
+          <p:cNvPr id="5" name="Picture 4"/>
+          <p:cNvPicPr>
+            <a:picLocks noChangeAspect="1"/>
+          </p:cNvPicPr>
+          <p:nvPr/>
+        </p:nvPicPr>
+        <p:blipFill>
+          <a:blip r:embed="rId6"/>
+          <a:stretch>
+            <a:fillRect/>
+          </a:stretch>
+        </p:blipFill>
+        <p:spPr>
+          <a:xfrm>
+            <a:off x="9799789" y="3175984"/>
+            <a:ext cx="1005848" cy="1017870"/>
+          </a:xfrm>
+          <a:prstGeom prst="rect">
+            <a:avLst/>
+          </a:prstGeom>
+        </p:spPr>
+      </p:pic>
     </p:spTree>
     <p:extLst>
       <p:ext uri="{BB962C8B-B14F-4D97-AF65-F5344CB8AC3E}">
@@ -5057,6 +5370,341 @@
       </p:grpSpPr>
       <p:sp>
         <p:nvSpPr>
+          <p:cNvPr id="2" name="Title 1"/>
+          <p:cNvSpPr>
+            <a:spLocks noGrp="1"/>
+          </p:cNvSpPr>
+          <p:nvPr>
+            <p:ph type="title"/>
+          </p:nvPr>
+        </p:nvSpPr>
+        <p:spPr/>
+        <p:txBody>
+          <a:bodyPr/>
+          <a:lstStyle/>
+          <a:p>
+            <a:r>
+              <a:rPr lang="en-US" dirty="0" smtClean="0"/>
+              <a:t>Purpose of This Talk</a:t>
+            </a:r>
+            <a:endParaRPr lang="en-US" dirty="0"/>
+          </a:p>
+        </p:txBody>
+      </p:sp>
+      <p:sp>
+        <p:nvSpPr>
+          <p:cNvPr id="3" name="Content Placeholder 2"/>
+          <p:cNvSpPr>
+            <a:spLocks noGrp="1"/>
+          </p:cNvSpPr>
+          <p:nvPr>
+            <p:ph idx="1"/>
+          </p:nvPr>
+        </p:nvSpPr>
+        <p:spPr/>
+        <p:txBody>
+          <a:bodyPr>
+            <a:normAutofit/>
+          </a:bodyPr>
+          <a:lstStyle/>
+          <a:p>
+            <a:r>
+              <a:rPr lang="en-US" i="1" dirty="0"/>
+              <a:t>How can we use data, math, and advanced analytical methods to understand risk and uncertainty?</a:t>
+            </a:r>
+          </a:p>
+          <a:p>
+            <a:pPr marL="0" indent="0">
+              <a:buNone/>
+            </a:pPr>
+            <a:endParaRPr lang="en-US" dirty="0" smtClean="0"/>
+          </a:p>
+          <a:p>
+            <a:r>
+              <a:rPr lang="en-US" dirty="0" smtClean="0"/>
+              <a:t>Introduction </a:t>
+            </a:r>
+            <a:r>
+              <a:rPr lang="en-US" dirty="0"/>
+              <a:t>to “the flaw of </a:t>
+            </a:r>
+            <a:r>
+              <a:rPr lang="en-US" dirty="0" smtClean="0"/>
+              <a:t>averages” and thinking in terms of ranges, not single values</a:t>
+            </a:r>
+            <a:endParaRPr lang="en-US" dirty="0"/>
+          </a:p>
+          <a:p>
+            <a:endParaRPr lang="en-US" dirty="0"/>
+          </a:p>
+          <a:p>
+            <a:r>
+              <a:rPr lang="en-US" dirty="0" smtClean="0"/>
+              <a:t>Conceptual Introduction to Monte Carlo Simulation</a:t>
+            </a:r>
+          </a:p>
+          <a:p>
+            <a:endParaRPr lang="en-US" dirty="0"/>
+          </a:p>
+          <a:p>
+            <a:r>
+              <a:rPr lang="en-US" dirty="0" smtClean="0"/>
+              <a:t>Using </a:t>
+            </a:r>
+            <a:r>
+              <a:rPr lang="en-US" dirty="0"/>
+              <a:t>Shiny for interactive Monte Carlo Simulation</a:t>
+            </a:r>
+          </a:p>
+          <a:p>
+            <a:endParaRPr lang="en-US" dirty="0"/>
+          </a:p>
+        </p:txBody>
+      </p:sp>
+    </p:spTree>
+    <p:extLst>
+      <p:ext uri="{BB962C8B-B14F-4D97-AF65-F5344CB8AC3E}">
+        <p14:creationId xmlns:p14="http://schemas.microsoft.com/office/powerpoint/2010/main" val="377815368"/>
+      </p:ext>
+    </p:extLst>
+  </p:cSld>
+  <p:clrMapOvr>
+    <a:masterClrMapping/>
+  </p:clrMapOvr>
+</p:sld>
+</file>
+
+<file path=ppt/slides/slide4.xml><?xml version="1.0" encoding="utf-8"?>
+<p:sld xmlns:a="http://schemas.openxmlformats.org/drawingml/2006/main" xmlns:r="http://schemas.openxmlformats.org/officeDocument/2006/relationships" xmlns:p="http://schemas.openxmlformats.org/presentationml/2006/main">
+  <p:cSld>
+    <p:spTree>
+      <p:nvGrpSpPr>
+        <p:cNvPr id="1" name=""/>
+        <p:cNvGrpSpPr/>
+        <p:nvPr/>
+      </p:nvGrpSpPr>
+      <p:grpSpPr>
+        <a:xfrm>
+          <a:off x="0" y="0"/>
+          <a:ext cx="0" cy="0"/>
+          <a:chOff x="0" y="0"/>
+          <a:chExt cx="0" cy="0"/>
+        </a:xfrm>
+      </p:grpSpPr>
+      <p:sp>
+        <p:nvSpPr>
+          <p:cNvPr id="2" name="Title 1"/>
+          <p:cNvSpPr>
+            <a:spLocks noGrp="1"/>
+          </p:cNvSpPr>
+          <p:nvPr>
+            <p:ph type="title"/>
+          </p:nvPr>
+        </p:nvSpPr>
+        <p:spPr>
+          <a:xfrm>
+            <a:off x="346422" y="249864"/>
+            <a:ext cx="10515600" cy="1187050"/>
+          </a:xfrm>
+        </p:spPr>
+        <p:txBody>
+          <a:bodyPr>
+            <a:noAutofit/>
+          </a:bodyPr>
+          <a:lstStyle/>
+          <a:p>
+            <a:r>
+              <a:rPr lang="en-US" sz="3200" dirty="0" smtClean="0"/>
+              <a:t/>
+            </a:r>
+            <a:br>
+              <a:rPr lang="en-US" sz="3200" dirty="0" smtClean="0"/>
+            </a:br>
+            <a:r>
+              <a:rPr lang="en-US" sz="3200" dirty="0" smtClean="0"/>
+              <a:t>How </a:t>
+            </a:r>
+            <a:r>
+              <a:rPr lang="en-US" sz="3200" dirty="0"/>
+              <a:t>can we use </a:t>
+            </a:r>
+            <a:r>
+              <a:rPr lang="en-US" sz="3200" dirty="0" smtClean="0"/>
+              <a:t>data </a:t>
+            </a:r>
+            <a:r>
+              <a:rPr lang="en-US" sz="3200" dirty="0"/>
+              <a:t>to understand risk and uncertainty?</a:t>
+            </a:r>
+            <a:br>
+              <a:rPr lang="en-US" sz="3200" dirty="0"/>
+            </a:br>
+            <a:endParaRPr lang="en-US" sz="3200" dirty="0"/>
+          </a:p>
+        </p:txBody>
+      </p:sp>
+      <p:sp>
+        <p:nvSpPr>
+          <p:cNvPr id="3" name="Content Placeholder 2"/>
+          <p:cNvSpPr>
+            <a:spLocks noGrp="1"/>
+          </p:cNvSpPr>
+          <p:nvPr>
+            <p:ph idx="1"/>
+          </p:nvPr>
+        </p:nvSpPr>
+        <p:spPr>
+          <a:xfrm>
+            <a:off x="245889" y="1360074"/>
+            <a:ext cx="11748887" cy="5424927"/>
+          </a:xfrm>
+        </p:spPr>
+        <p:txBody>
+          <a:bodyPr>
+            <a:noAutofit/>
+          </a:bodyPr>
+          <a:lstStyle/>
+          <a:p>
+            <a:r>
+              <a:rPr lang="en-US" sz="1800" dirty="0" smtClean="0"/>
+              <a:t>Most people are inherently paralyzed by uncertainty, and tend to ignore it in our lives.  </a:t>
+            </a:r>
+          </a:p>
+          <a:p>
+            <a:pPr lvl="1"/>
+            <a:r>
+              <a:rPr lang="en-US" sz="1600" dirty="0" smtClean="0"/>
+              <a:t>Will my home burn down today?</a:t>
+            </a:r>
+          </a:p>
+          <a:p>
+            <a:pPr lvl="1"/>
+            <a:r>
+              <a:rPr lang="en-US" sz="1600" dirty="0" smtClean="0"/>
+              <a:t>Will I get sick?</a:t>
+            </a:r>
+          </a:p>
+          <a:p>
+            <a:pPr lvl="1"/>
+            <a:r>
+              <a:rPr lang="en-US" sz="1600" dirty="0" smtClean="0"/>
+              <a:t>Will the Chipotle line be too long, to make it back to work on time?</a:t>
+            </a:r>
+          </a:p>
+          <a:p>
+            <a:r>
+              <a:rPr lang="en-US" sz="1800" dirty="0" smtClean="0"/>
+              <a:t>Our typical decisions are based either upon heuristics (good rules of thumb), or a single estimate</a:t>
+            </a:r>
+          </a:p>
+          <a:p>
+            <a:pPr lvl="1"/>
+            <a:r>
+              <a:rPr lang="en-US" sz="1600" dirty="0" smtClean="0"/>
+              <a:t>Will I make it to the airport in time?</a:t>
+            </a:r>
+          </a:p>
+          <a:p>
+            <a:pPr lvl="1"/>
+            <a:r>
+              <a:rPr lang="en-US" sz="1600" dirty="0" smtClean="0"/>
+              <a:t>How much can I afford on a mortgage?</a:t>
+            </a:r>
+          </a:p>
+          <a:p>
+            <a:r>
+              <a:rPr lang="en-US" sz="1800" dirty="0" smtClean="0"/>
+              <a:t>Our ability to objectively evaluate decisions, declines with complexity and uncertainty about the important details</a:t>
+            </a:r>
+          </a:p>
+          <a:p>
+            <a:pPr lvl="1"/>
+            <a:r>
+              <a:rPr lang="en-US" sz="1600" dirty="0" smtClean="0"/>
+              <a:t>Should I go to college?</a:t>
+            </a:r>
+          </a:p>
+          <a:p>
+            <a:pPr lvl="1"/>
+            <a:r>
+              <a:rPr lang="en-US" sz="1600" dirty="0" smtClean="0"/>
+              <a:t>Should I take that job?</a:t>
+            </a:r>
+          </a:p>
+          <a:p>
+            <a:pPr lvl="1"/>
+            <a:r>
+              <a:rPr lang="en-US" sz="1600" dirty="0" smtClean="0"/>
+              <a:t>Should I marry this person?</a:t>
+            </a:r>
+            <a:endParaRPr lang="en-US" sz="1800" dirty="0" smtClean="0"/>
+          </a:p>
+          <a:p>
+            <a:r>
+              <a:rPr lang="en-US" sz="1800" dirty="0" smtClean="0"/>
+              <a:t>Enabling decision-making under uncertainty, absent of emotion, is a major triumph of </a:t>
+            </a:r>
+            <a:r>
+              <a:rPr lang="en-US" sz="1800" i="1" dirty="0" smtClean="0"/>
+              <a:t>operations research</a:t>
+            </a:r>
+          </a:p>
+          <a:p>
+            <a:r>
+              <a:rPr lang="en-US" sz="1800" i="1" dirty="0" smtClean="0"/>
+              <a:t>Thinking, Fast and Slow</a:t>
+            </a:r>
+          </a:p>
+          <a:p>
+            <a:r>
+              <a:rPr lang="en-US" sz="1800" i="1" dirty="0" smtClean="0"/>
+              <a:t>Fooled By Randomness </a:t>
+            </a:r>
+          </a:p>
+          <a:p>
+            <a:r>
+              <a:rPr lang="en-US" sz="1800" i="1" dirty="0" err="1" smtClean="0"/>
+              <a:t>Farnam</a:t>
+            </a:r>
+            <a:r>
+              <a:rPr lang="en-US" sz="1800" i="1" dirty="0" smtClean="0"/>
+              <a:t> Street (website)</a:t>
+            </a:r>
+          </a:p>
+        </p:txBody>
+      </p:sp>
+    </p:spTree>
+    <p:extLst>
+      <p:ext uri="{BB962C8B-B14F-4D97-AF65-F5344CB8AC3E}">
+        <p14:creationId xmlns:p14="http://schemas.microsoft.com/office/powerpoint/2010/main" val="3783780342"/>
+      </p:ext>
+    </p:extLst>
+  </p:cSld>
+  <p:clrMapOvr>
+    <a:masterClrMapping/>
+  </p:clrMapOvr>
+</p:sld>
+</file>
+
+<file path=ppt/slides/slide5.xml><?xml version="1.0" encoding="utf-8"?>
+<p:sld xmlns:a="http://schemas.openxmlformats.org/drawingml/2006/main" xmlns:r="http://schemas.openxmlformats.org/officeDocument/2006/relationships" xmlns:p="http://schemas.openxmlformats.org/presentationml/2006/main">
+  <p:cSld>
+    <p:spTree>
+      <p:nvGrpSpPr>
+        <p:cNvPr id="1" name=""/>
+        <p:cNvGrpSpPr/>
+        <p:nvPr/>
+      </p:nvGrpSpPr>
+      <p:grpSpPr>
+        <a:xfrm>
+          <a:off x="0" y="0"/>
+          <a:ext cx="0" cy="0"/>
+          <a:chOff x="0" y="0"/>
+          <a:chExt cx="0" cy="0"/>
+        </a:xfrm>
+      </p:grpSpPr>
+      <p:sp>
+        <p:nvSpPr>
           <p:cNvPr id="4" name="Title 3"/>
           <p:cNvSpPr>
             <a:spLocks noGrp="1"/>
@@ -5124,15 +5772,21 @@
           <a:p>
             <a:pPr lvl="1"/>
             <a:r>
-              <a:rPr lang="en-US" dirty="0" err="1" smtClean="0"/>
-              <a:t>Stockouts</a:t>
-            </a:r>
-            <a:r>
               <a:rPr lang="en-US" dirty="0" smtClean="0"/>
-              <a:t> and Expediting vs. “Average” Demand</a:t>
-            </a:r>
-          </a:p>
-          <a:p>
+              <a:t>Spoilage and Out of Stocks </a:t>
+            </a:r>
+            <a:r>
+              <a:rPr lang="en-US" dirty="0" smtClean="0"/>
+              <a:t>vs. “Average” Demand</a:t>
+            </a:r>
+          </a:p>
+          <a:p>
+            <a:r>
+              <a:rPr lang="en-US" dirty="0">
+                <a:hlinkClick r:id="rId3"/>
+              </a:rPr>
+              <a:t>https://hbr.org/2002/11/the-flaw-of-averages</a:t>
+            </a:r>
             <a:endParaRPr lang="en-US" dirty="0" smtClean="0"/>
           </a:p>
           <a:p>
@@ -5158,7 +5812,7 @@
           <p:nvPr/>
         </p:nvPicPr>
         <p:blipFill>
-          <a:blip r:embed="rId3">
+          <a:blip r:embed="rId4">
             <a:extLst>
               <a:ext uri="{28A0092B-C50C-407E-A947-70E740481C1C}">
                 <a14:useLocalDpi xmlns:a14="http://schemas.microsoft.com/office/drawing/2010/main" val="0"/>
@@ -5203,7 +5857,7 @@
 </p:sld>
 </file>
 
-<file path=ppt/slides/slide4.xml><?xml version="1.0" encoding="utf-8"?>
+<file path=ppt/slides/slide6.xml><?xml version="1.0" encoding="utf-8"?>
 <p:sld xmlns:a="http://schemas.openxmlformats.org/drawingml/2006/main" xmlns:r="http://schemas.openxmlformats.org/officeDocument/2006/relationships" xmlns:p="http://schemas.openxmlformats.org/presentationml/2006/main">
   <p:cSld>
     <p:spTree>
@@ -5354,7 +6008,7 @@
 </p:sld>
 </file>
 
-<file path=ppt/slides/slide5.xml><?xml version="1.0" encoding="utf-8"?>
+<file path=ppt/slides/slide7.xml><?xml version="1.0" encoding="utf-8"?>
 <p:sld xmlns:a="http://schemas.openxmlformats.org/drawingml/2006/main" xmlns:r="http://schemas.openxmlformats.org/officeDocument/2006/relationships" xmlns:p="http://schemas.openxmlformats.org/presentationml/2006/main">
   <p:cSld>
     <p:spTree>
@@ -5540,7 +6194,7 @@
 </p:sld>
 </file>
 
-<file path=ppt/slides/slide6.xml><?xml version="1.0" encoding="utf-8"?>
+<file path=ppt/slides/slide8.xml><?xml version="1.0" encoding="utf-8"?>
 <p:sld xmlns:a="http://schemas.openxmlformats.org/drawingml/2006/main" xmlns:r="http://schemas.openxmlformats.org/officeDocument/2006/relationships" xmlns:p="http://schemas.openxmlformats.org/presentationml/2006/main">
   <p:cSld>
     <p:spTree>
@@ -5687,7 +6341,7 @@
 </p:sld>
 </file>
 
-<file path=ppt/slides/slide7.xml><?xml version="1.0" encoding="utf-8"?>
+<file path=ppt/slides/slide9.xml><?xml version="1.0" encoding="utf-8"?>
 <p:sld xmlns:a="http://schemas.openxmlformats.org/drawingml/2006/main" xmlns:r="http://schemas.openxmlformats.org/officeDocument/2006/relationships" xmlns:p="http://schemas.openxmlformats.org/presentationml/2006/main">
   <p:cSld>
     <p:spTree>
@@ -5832,230 +6486,6 @@
     <p:extLst>
       <p:ext uri="{BB962C8B-B14F-4D97-AF65-F5344CB8AC3E}">
         <p14:creationId xmlns:p14="http://schemas.microsoft.com/office/powerpoint/2010/main" val="3677256654"/>
-      </p:ext>
-    </p:extLst>
-  </p:cSld>
-  <p:clrMapOvr>
-    <a:masterClrMapping/>
-  </p:clrMapOvr>
-</p:sld>
-</file>
-
-<file path=ppt/slides/slide8.xml><?xml version="1.0" encoding="utf-8"?>
-<p:sld xmlns:a="http://schemas.openxmlformats.org/drawingml/2006/main" xmlns:r="http://schemas.openxmlformats.org/officeDocument/2006/relationships" xmlns:p="http://schemas.openxmlformats.org/presentationml/2006/main">
-  <p:cSld>
-    <p:spTree>
-      <p:nvGrpSpPr>
-        <p:cNvPr id="1" name=""/>
-        <p:cNvGrpSpPr/>
-        <p:nvPr/>
-      </p:nvGrpSpPr>
-      <p:grpSpPr>
-        <a:xfrm>
-          <a:off x="0" y="0"/>
-          <a:ext cx="0" cy="0"/>
-          <a:chOff x="0" y="0"/>
-          <a:chExt cx="0" cy="0"/>
-        </a:xfrm>
-      </p:grpSpPr>
-      <p:sp>
-        <p:nvSpPr>
-          <p:cNvPr id="4" name="Title 3"/>
-          <p:cNvSpPr>
-            <a:spLocks noGrp="1"/>
-          </p:cNvSpPr>
-          <p:nvPr>
-            <p:ph type="title"/>
-          </p:nvPr>
-        </p:nvSpPr>
-        <p:spPr/>
-        <p:txBody>
-          <a:bodyPr/>
-          <a:lstStyle/>
-          <a:p>
-            <a:r>
-              <a:rPr lang="en-US" dirty="0" smtClean="0"/>
-              <a:t>Rinse and Repeat 20,000 Times…</a:t>
-            </a:r>
-            <a:endParaRPr lang="en-US" dirty="0"/>
-          </a:p>
-        </p:txBody>
-      </p:sp>
-      <p:sp>
-        <p:nvSpPr>
-          <p:cNvPr id="3" name="Content Placeholder 2"/>
-          <p:cNvSpPr>
-            <a:spLocks noGrp="1"/>
-          </p:cNvSpPr>
-          <p:nvPr>
-            <p:ph idx="1"/>
-          </p:nvPr>
-        </p:nvSpPr>
-        <p:spPr/>
-        <p:txBody>
-          <a:bodyPr/>
-          <a:lstStyle/>
-          <a:p>
-            <a:pPr marL="0" indent="0">
-              <a:buNone/>
-            </a:pPr>
-            <a:r>
-              <a:rPr lang="en-US" sz="4400" dirty="0" smtClean="0"/>
-              <a:t>We missed our reservation about half the time, by planning based upon the average</a:t>
-            </a:r>
-            <a:endParaRPr lang="en-US" sz="4400" dirty="0"/>
-          </a:p>
-        </p:txBody>
-      </p:sp>
-      <p:pic>
-        <p:nvPicPr>
-          <p:cNvPr id="5" name="Picture 4"/>
-          <p:cNvPicPr>
-            <a:picLocks noChangeAspect="1"/>
-          </p:cNvPicPr>
-          <p:nvPr/>
-        </p:nvPicPr>
-        <p:blipFill>
-          <a:blip r:embed="rId3"/>
-          <a:stretch>
-            <a:fillRect/>
-          </a:stretch>
-        </p:blipFill>
-        <p:spPr>
-          <a:xfrm>
-            <a:off x="478824" y="3272289"/>
-            <a:ext cx="11165997" cy="2652502"/>
-          </a:xfrm>
-          <a:prstGeom prst="rect">
-            <a:avLst/>
-          </a:prstGeom>
-        </p:spPr>
-      </p:pic>
-    </p:spTree>
-    <p:extLst>
-      <p:ext uri="{BB962C8B-B14F-4D97-AF65-F5344CB8AC3E}">
-        <p14:creationId xmlns:p14="http://schemas.microsoft.com/office/powerpoint/2010/main" val="3407533705"/>
-      </p:ext>
-    </p:extLst>
-  </p:cSld>
-  <p:clrMapOvr>
-    <a:masterClrMapping/>
-  </p:clrMapOvr>
-</p:sld>
-</file>
-
-<file path=ppt/slides/slide9.xml><?xml version="1.0" encoding="utf-8"?>
-<p:sld xmlns:a="http://schemas.openxmlformats.org/drawingml/2006/main" xmlns:r="http://schemas.openxmlformats.org/officeDocument/2006/relationships" xmlns:p="http://schemas.openxmlformats.org/presentationml/2006/main">
-  <p:cSld>
-    <p:spTree>
-      <p:nvGrpSpPr>
-        <p:cNvPr id="1" name=""/>
-        <p:cNvGrpSpPr/>
-        <p:nvPr/>
-      </p:nvGrpSpPr>
-      <p:grpSpPr>
-        <a:xfrm>
-          <a:off x="0" y="0"/>
-          <a:ext cx="0" cy="0"/>
-          <a:chOff x="0" y="0"/>
-          <a:chExt cx="0" cy="0"/>
-        </a:xfrm>
-      </p:grpSpPr>
-      <p:sp>
-        <p:nvSpPr>
-          <p:cNvPr id="4" name="Title 3"/>
-          <p:cNvSpPr>
-            <a:spLocks noGrp="1"/>
-          </p:cNvSpPr>
-          <p:nvPr>
-            <p:ph type="title"/>
-          </p:nvPr>
-        </p:nvSpPr>
-        <p:spPr/>
-        <p:txBody>
-          <a:bodyPr/>
-          <a:lstStyle/>
-          <a:p>
-            <a:r>
-              <a:rPr lang="en-US" dirty="0" smtClean="0"/>
-              <a:t>Rinse and Repeat 20,000 Times…</a:t>
-            </a:r>
-            <a:endParaRPr lang="en-US" dirty="0"/>
-          </a:p>
-        </p:txBody>
-      </p:sp>
-      <p:sp>
-        <p:nvSpPr>
-          <p:cNvPr id="3" name="Content Placeholder 2"/>
-          <p:cNvSpPr>
-            <a:spLocks noGrp="1"/>
-          </p:cNvSpPr>
-          <p:nvPr>
-            <p:ph idx="1"/>
-          </p:nvPr>
-        </p:nvSpPr>
-        <p:spPr/>
-        <p:txBody>
-          <a:bodyPr/>
-          <a:lstStyle/>
-          <a:p>
-            <a:pPr marL="0" indent="0">
-              <a:buNone/>
-            </a:pPr>
-            <a:r>
-              <a:rPr lang="en-US" sz="1800" dirty="0" smtClean="0"/>
-              <a:t>Work from Shiny app… how does the probability of making it on time change?</a:t>
-            </a:r>
-          </a:p>
-          <a:p>
-            <a:pPr marL="0" indent="0">
-              <a:buNone/>
-            </a:pPr>
-            <a:endParaRPr lang="en-US" sz="1800" dirty="0"/>
-          </a:p>
-          <a:p>
-            <a:r>
-              <a:rPr lang="en-US" sz="1800" dirty="0" smtClean="0"/>
-              <a:t>Leave the office earlier (5:15pm)</a:t>
-            </a:r>
-          </a:p>
-          <a:p>
-            <a:r>
-              <a:rPr lang="en-US" sz="1800" dirty="0" smtClean="0"/>
-              <a:t>More predictable commute (</a:t>
-            </a:r>
-            <a:r>
-              <a:rPr lang="en-US" sz="1800" dirty="0" err="1" smtClean="0"/>
-              <a:t>sd</a:t>
-            </a:r>
-            <a:r>
-              <a:rPr lang="en-US" sz="1800" dirty="0" smtClean="0"/>
-              <a:t>=3 instead of 10)</a:t>
-            </a:r>
-          </a:p>
-          <a:p>
-            <a:pPr lvl="1"/>
-            <a:r>
-              <a:rPr lang="en-US" sz="1800" dirty="0" smtClean="0"/>
-              <a:t>Average commute time stays at 30 minutes but range gets smaller, making it more predictable and closer to the “expected” result</a:t>
-            </a:r>
-          </a:p>
-          <a:p>
-            <a:pPr lvl="1"/>
-            <a:endParaRPr lang="en-US" sz="1800" dirty="0"/>
-          </a:p>
-          <a:p>
-            <a:pPr marL="457200" lvl="1" indent="0">
-              <a:buNone/>
-            </a:pPr>
-            <a:endParaRPr lang="en-US" sz="1800" dirty="0" smtClean="0"/>
-          </a:p>
-        </p:txBody>
-      </p:sp>
-    </p:spTree>
-    <p:extLst>
-      <p:ext uri="{BB962C8B-B14F-4D97-AF65-F5344CB8AC3E}">
-        <p14:creationId xmlns:p14="http://schemas.microsoft.com/office/powerpoint/2010/main" val="3513583320"/>
       </p:ext>
     </p:extLst>
   </p:cSld>

--- a/Monte Carlo Simulation training - no logo.pptx
+++ b/Monte Carlo Simulation training - no logo.pptx
@@ -208,7 +208,7 @@
           <a:p>
             <a:fld id="{A301059F-F6A1-49DE-81CB-17DC11A7EB41}" type="datetimeFigureOut">
               <a:rPr lang="en-US" smtClean="0"/>
-              <a:t>5/21/2020</a:t>
+              <a:t>5/24/2020</a:t>
             </a:fld>
             <a:endParaRPr lang="en-US"/>
           </a:p>
@@ -625,29 +625,6 @@
       </p:sp>
       <p:sp>
         <p:nvSpPr>
-          <p:cNvPr id="4" name="Footer Placeholder 3"/>
-          <p:cNvSpPr>
-            <a:spLocks noGrp="1"/>
-          </p:cNvSpPr>
-          <p:nvPr>
-            <p:ph type="ftr" sz="quarter" idx="10"/>
-          </p:nvPr>
-        </p:nvSpPr>
-        <p:spPr/>
-        <p:txBody>
-          <a:bodyPr/>
-          <a:lstStyle/>
-          <a:p>
-            <a:r>
-              <a:rPr lang="en-US" smtClean="0"/>
-              <a:t>TARGET CONFIDENTIAL AND PROPRIETARY</a:t>
-            </a:r>
-            <a:endParaRPr lang="en-US"/>
-          </a:p>
-        </p:txBody>
-      </p:sp>
-      <p:sp>
-        <p:nvSpPr>
           <p:cNvPr id="5" name="Slide Number Placeholder 4"/>
           <p:cNvSpPr>
             <a:spLocks noGrp="1"/>
@@ -752,29 +729,6 @@
       </p:sp>
       <p:sp>
         <p:nvSpPr>
-          <p:cNvPr id="4" name="Footer Placeholder 3"/>
-          <p:cNvSpPr>
-            <a:spLocks noGrp="1"/>
-          </p:cNvSpPr>
-          <p:nvPr>
-            <p:ph type="ftr" sz="quarter" idx="10"/>
-          </p:nvPr>
-        </p:nvSpPr>
-        <p:spPr/>
-        <p:txBody>
-          <a:bodyPr/>
-          <a:lstStyle/>
-          <a:p>
-            <a:r>
-              <a:rPr lang="en-US" smtClean="0"/>
-              <a:t>TARGET CONFIDENTIAL AND PROPRIETARY</a:t>
-            </a:r>
-            <a:endParaRPr lang="en-US"/>
-          </a:p>
-        </p:txBody>
-      </p:sp>
-      <p:sp>
-        <p:nvSpPr>
           <p:cNvPr id="5" name="Slide Number Placeholder 4"/>
           <p:cNvSpPr>
             <a:spLocks noGrp="1"/>
@@ -884,29 +838,6 @@
       </p:sp>
       <p:sp>
         <p:nvSpPr>
-          <p:cNvPr id="4" name="Footer Placeholder 3"/>
-          <p:cNvSpPr>
-            <a:spLocks noGrp="1"/>
-          </p:cNvSpPr>
-          <p:nvPr>
-            <p:ph type="ftr" sz="quarter" idx="10"/>
-          </p:nvPr>
-        </p:nvSpPr>
-        <p:spPr/>
-        <p:txBody>
-          <a:bodyPr/>
-          <a:lstStyle/>
-          <a:p>
-            <a:r>
-              <a:rPr lang="en-US" smtClean="0"/>
-              <a:t>TARGET CONFIDENTIAL AND PROPRIETARY</a:t>
-            </a:r>
-            <a:endParaRPr lang="en-US"/>
-          </a:p>
-        </p:txBody>
-      </p:sp>
-      <p:sp>
-        <p:nvSpPr>
           <p:cNvPr id="5" name="Slide Number Placeholder 4"/>
           <p:cNvSpPr>
             <a:spLocks noGrp="1"/>
@@ -1071,29 +1002,6 @@
       </p:sp>
       <p:sp>
         <p:nvSpPr>
-          <p:cNvPr id="4" name="Footer Placeholder 3"/>
-          <p:cNvSpPr>
-            <a:spLocks noGrp="1"/>
-          </p:cNvSpPr>
-          <p:nvPr>
-            <p:ph type="ftr" sz="quarter" idx="10"/>
-          </p:nvPr>
-        </p:nvSpPr>
-        <p:spPr/>
-        <p:txBody>
-          <a:bodyPr/>
-          <a:lstStyle/>
-          <a:p>
-            <a:r>
-              <a:rPr lang="en-US" smtClean="0"/>
-              <a:t>TARGET CONFIDENTIAL AND PROPRIETARY</a:t>
-            </a:r>
-            <a:endParaRPr lang="en-US"/>
-          </a:p>
-        </p:txBody>
-      </p:sp>
-      <p:sp>
-        <p:nvSpPr>
           <p:cNvPr id="5" name="Slide Number Placeholder 4"/>
           <p:cNvSpPr>
             <a:spLocks noGrp="1"/>
@@ -1203,29 +1111,6 @@
       </p:sp>
       <p:sp>
         <p:nvSpPr>
-          <p:cNvPr id="4" name="Footer Placeholder 3"/>
-          <p:cNvSpPr>
-            <a:spLocks noGrp="1"/>
-          </p:cNvSpPr>
-          <p:nvPr>
-            <p:ph type="ftr" sz="quarter" idx="10"/>
-          </p:nvPr>
-        </p:nvSpPr>
-        <p:spPr/>
-        <p:txBody>
-          <a:bodyPr/>
-          <a:lstStyle/>
-          <a:p>
-            <a:r>
-              <a:rPr lang="en-US" smtClean="0"/>
-              <a:t>TARGET CONFIDENTIAL AND PROPRIETARY</a:t>
-            </a:r>
-            <a:endParaRPr lang="en-US"/>
-          </a:p>
-        </p:txBody>
-      </p:sp>
-      <p:sp>
-        <p:nvSpPr>
           <p:cNvPr id="5" name="Slide Number Placeholder 4"/>
           <p:cNvSpPr>
             <a:spLocks noGrp="1"/>
@@ -1421,29 +1306,6 @@
       </p:sp>
       <p:sp>
         <p:nvSpPr>
-          <p:cNvPr id="4" name="Footer Placeholder 3"/>
-          <p:cNvSpPr>
-            <a:spLocks noGrp="1"/>
-          </p:cNvSpPr>
-          <p:nvPr>
-            <p:ph type="ftr" sz="quarter" idx="10"/>
-          </p:nvPr>
-        </p:nvSpPr>
-        <p:spPr/>
-        <p:txBody>
-          <a:bodyPr/>
-          <a:lstStyle/>
-          <a:p>
-            <a:r>
-              <a:rPr lang="en-US" smtClean="0"/>
-              <a:t>TARGET CONFIDENTIAL AND PROPRIETARY</a:t>
-            </a:r>
-            <a:endParaRPr lang="en-US"/>
-          </a:p>
-        </p:txBody>
-      </p:sp>
-      <p:sp>
-        <p:nvSpPr>
           <p:cNvPr id="5" name="Slide Number Placeholder 4"/>
           <p:cNvSpPr>
             <a:spLocks noGrp="1"/>
@@ -1545,29 +1407,6 @@
       </p:sp>
       <p:sp>
         <p:nvSpPr>
-          <p:cNvPr id="4" name="Footer Placeholder 3"/>
-          <p:cNvSpPr>
-            <a:spLocks noGrp="1"/>
-          </p:cNvSpPr>
-          <p:nvPr>
-            <p:ph type="ftr" sz="quarter" idx="10"/>
-          </p:nvPr>
-        </p:nvSpPr>
-        <p:spPr/>
-        <p:txBody>
-          <a:bodyPr/>
-          <a:lstStyle/>
-          <a:p>
-            <a:r>
-              <a:rPr lang="en-US" smtClean="0"/>
-              <a:t>TARGET CONFIDENTIAL AND PROPRIETARY</a:t>
-            </a:r>
-            <a:endParaRPr lang="en-US"/>
-          </a:p>
-        </p:txBody>
-      </p:sp>
-      <p:sp>
-        <p:nvSpPr>
           <p:cNvPr id="5" name="Slide Number Placeholder 4"/>
           <p:cNvSpPr>
             <a:spLocks noGrp="1"/>
@@ -1669,29 +1508,6 @@
       </p:sp>
       <p:sp>
         <p:nvSpPr>
-          <p:cNvPr id="4" name="Footer Placeholder 3"/>
-          <p:cNvSpPr>
-            <a:spLocks noGrp="1"/>
-          </p:cNvSpPr>
-          <p:nvPr>
-            <p:ph type="ftr" sz="quarter" idx="10"/>
-          </p:nvPr>
-        </p:nvSpPr>
-        <p:spPr/>
-        <p:txBody>
-          <a:bodyPr/>
-          <a:lstStyle/>
-          <a:p>
-            <a:r>
-              <a:rPr lang="en-US" smtClean="0"/>
-              <a:t>TARGET CONFIDENTIAL AND PROPRIETARY</a:t>
-            </a:r>
-            <a:endParaRPr lang="en-US"/>
-          </a:p>
-        </p:txBody>
-      </p:sp>
-      <p:sp>
-        <p:nvSpPr>
           <p:cNvPr id="5" name="Slide Number Placeholder 4"/>
           <p:cNvSpPr>
             <a:spLocks noGrp="1"/>
@@ -1857,7 +1673,7 @@
           <a:p>
             <a:fld id="{F459E91C-B96F-4DF1-B60D-94E28018396F}" type="datetimeFigureOut">
               <a:rPr lang="en-US" smtClean="0"/>
-              <a:t>5/21/2020</a:t>
+              <a:t>5/24/2020</a:t>
             </a:fld>
             <a:endParaRPr lang="en-US"/>
           </a:p>
@@ -2027,7 +1843,7 @@
           <a:p>
             <a:fld id="{F459E91C-B96F-4DF1-B60D-94E28018396F}" type="datetimeFigureOut">
               <a:rPr lang="en-US" smtClean="0"/>
-              <a:t>5/21/2020</a:t>
+              <a:t>5/24/2020</a:t>
             </a:fld>
             <a:endParaRPr lang="en-US"/>
           </a:p>
@@ -2207,7 +2023,7 @@
           <a:p>
             <a:fld id="{F459E91C-B96F-4DF1-B60D-94E28018396F}" type="datetimeFigureOut">
               <a:rPr lang="en-US" smtClean="0"/>
-              <a:t>5/21/2020</a:t>
+              <a:t>5/24/2020</a:t>
             </a:fld>
             <a:endParaRPr lang="en-US"/>
           </a:p>
@@ -2377,7 +2193,7 @@
           <a:p>
             <a:fld id="{F459E91C-B96F-4DF1-B60D-94E28018396F}" type="datetimeFigureOut">
               <a:rPr lang="en-US" smtClean="0"/>
-              <a:t>5/21/2020</a:t>
+              <a:t>5/24/2020</a:t>
             </a:fld>
             <a:endParaRPr lang="en-US"/>
           </a:p>
@@ -2623,7 +2439,7 @@
           <a:p>
             <a:fld id="{F459E91C-B96F-4DF1-B60D-94E28018396F}" type="datetimeFigureOut">
               <a:rPr lang="en-US" smtClean="0"/>
-              <a:t>5/21/2020</a:t>
+              <a:t>5/24/2020</a:t>
             </a:fld>
             <a:endParaRPr lang="en-US"/>
           </a:p>
@@ -2855,7 +2671,7 @@
           <a:p>
             <a:fld id="{F459E91C-B96F-4DF1-B60D-94E28018396F}" type="datetimeFigureOut">
               <a:rPr lang="en-US" smtClean="0"/>
-              <a:t>5/21/2020</a:t>
+              <a:t>5/24/2020</a:t>
             </a:fld>
             <a:endParaRPr lang="en-US"/>
           </a:p>
@@ -3222,7 +3038,7 @@
           <a:p>
             <a:fld id="{F459E91C-B96F-4DF1-B60D-94E28018396F}" type="datetimeFigureOut">
               <a:rPr lang="en-US" smtClean="0"/>
-              <a:t>5/21/2020</a:t>
+              <a:t>5/24/2020</a:t>
             </a:fld>
             <a:endParaRPr lang="en-US"/>
           </a:p>
@@ -3340,7 +3156,7 @@
           <a:p>
             <a:fld id="{F459E91C-B96F-4DF1-B60D-94E28018396F}" type="datetimeFigureOut">
               <a:rPr lang="en-US" smtClean="0"/>
-              <a:t>5/21/2020</a:t>
+              <a:t>5/24/2020</a:t>
             </a:fld>
             <a:endParaRPr lang="en-US"/>
           </a:p>
@@ -3435,7 +3251,7 @@
           <a:p>
             <a:fld id="{F459E91C-B96F-4DF1-B60D-94E28018396F}" type="datetimeFigureOut">
               <a:rPr lang="en-US" smtClean="0"/>
-              <a:t>5/21/2020</a:t>
+              <a:t>5/24/2020</a:t>
             </a:fld>
             <a:endParaRPr lang="en-US"/>
           </a:p>
@@ -3712,7 +3528,7 @@
           <a:p>
             <a:fld id="{F459E91C-B96F-4DF1-B60D-94E28018396F}" type="datetimeFigureOut">
               <a:rPr lang="en-US" smtClean="0"/>
-              <a:t>5/21/2020</a:t>
+              <a:t>5/24/2020</a:t>
             </a:fld>
             <a:endParaRPr lang="en-US"/>
           </a:p>
@@ -3965,7 +3781,7 @@
           <a:p>
             <a:fld id="{F459E91C-B96F-4DF1-B60D-94E28018396F}" type="datetimeFigureOut">
               <a:rPr lang="en-US" smtClean="0"/>
-              <a:t>5/21/2020</a:t>
+              <a:t>5/24/2020</a:t>
             </a:fld>
             <a:endParaRPr lang="en-US"/>
           </a:p>
@@ -4178,7 +3994,7 @@
           <a:p>
             <a:fld id="{F459E91C-B96F-4DF1-B60D-94E28018396F}" type="datetimeFigureOut">
               <a:rPr lang="en-US" smtClean="0"/>
-              <a:t>5/21/2020</a:t>
+              <a:t>5/24/2020</a:t>
             </a:fld>
             <a:endParaRPr lang="en-US"/>
           </a:p>
@@ -4618,11 +4434,7 @@
             </a:br>
             <a:r>
               <a:rPr lang="en-US" sz="5400" dirty="0" smtClean="0"/>
-              <a:t>Introduction to Monte Carlo </a:t>
-            </a:r>
-            <a:r>
-              <a:rPr lang="en-US" sz="5400" dirty="0" smtClean="0"/>
-              <a:t>Simulation </a:t>
+              <a:t>Introduction to Monte Carlo Simulation </a:t>
             </a:r>
             <a:r>
               <a:rPr lang="en-US" sz="5400" dirty="0"/>
@@ -4692,15 +4504,7 @@
           <a:p>
             <a:r>
               <a:rPr lang="en-US" sz="2000" dirty="0" smtClean="0"/>
-              <a:t>May </a:t>
-            </a:r>
-            <a:r>
-              <a:rPr lang="en-US" sz="2000" dirty="0" smtClean="0"/>
-              <a:t>21, </a:t>
-            </a:r>
-            <a:r>
-              <a:rPr lang="en-US" sz="2000" dirty="0" smtClean="0"/>
-              <a:t>2020</a:t>
+              <a:t>May 21, 2020</a:t>
             </a:r>
           </a:p>
         </p:txBody>
@@ -5015,11 +4819,7 @@
           <a:p>
             <a:r>
               <a:rPr lang="en-US" dirty="0" smtClean="0"/>
-              <a:t>Spurs important discussions on a range of outcomes and the impact on </a:t>
-            </a:r>
-            <a:r>
-              <a:rPr lang="en-US" dirty="0" smtClean="0"/>
-              <a:t>decisions</a:t>
+              <a:t>Spurs important discussions on a range of outcomes and the impact on decisions</a:t>
             </a:r>
           </a:p>
           <a:p>
@@ -5110,22 +4910,13 @@
           <a:p>
             <a:r>
               <a:rPr lang="en-US" dirty="0" smtClean="0"/>
-              <a:t>BS Physics, Valparaiso University (Indiana</a:t>
-            </a:r>
+              <a:t>BS Physics, Valparaiso University (Indiana) 2006</a:t>
+            </a:r>
+          </a:p>
+          <a:p>
             <a:r>
               <a:rPr lang="en-US" dirty="0" smtClean="0"/>
-              <a:t>) 2006</a:t>
-            </a:r>
-            <a:endParaRPr lang="en-US" dirty="0" smtClean="0"/>
-          </a:p>
-          <a:p>
-            <a:r>
-              <a:rPr lang="en-US" dirty="0" smtClean="0"/>
-              <a:t>MS Operations Research, Florida </a:t>
-            </a:r>
-            <a:r>
-              <a:rPr lang="en-US" dirty="0" smtClean="0"/>
-              <a:t>Inst. Tech. 2012</a:t>
+              <a:t>MS Operations Research, Florida Inst. Tech. 2012</a:t>
             </a:r>
           </a:p>
           <a:p>
@@ -5150,15 +4941,7 @@
             <a:pPr lvl="1"/>
             <a:r>
               <a:rPr lang="en-US" dirty="0" smtClean="0"/>
-              <a:t>BI</a:t>
-            </a:r>
-            <a:r>
-              <a:rPr lang="en-US" dirty="0" smtClean="0"/>
-              <a:t>, statistical modeling, optimization, simulation, heuristic algorithm development… and SQL… and Excel Pivot </a:t>
-            </a:r>
-            <a:r>
-              <a:rPr lang="en-US" dirty="0" smtClean="0"/>
-              <a:t>Tables</a:t>
+              <a:t>BI, statistical modeling, optimization, simulation, heuristic algorithm development… and SQL… and Excel Pivot Tables</a:t>
             </a:r>
           </a:p>
           <a:p>
@@ -5773,11 +5556,7 @@
             <a:pPr lvl="1"/>
             <a:r>
               <a:rPr lang="en-US" dirty="0" smtClean="0"/>
-              <a:t>Spoilage and Out of Stocks </a:t>
-            </a:r>
-            <a:r>
-              <a:rPr lang="en-US" dirty="0" smtClean="0"/>
-              <a:t>vs. “Average” Demand</a:t>
+              <a:t>Spoilage and Out of Stocks vs. “Average” Demand</a:t>
             </a:r>
           </a:p>
           <a:p>
